--- a/Solution Architecture.pptx
+++ b/Solution Architecture.pptx
@@ -5,12 +5,13 @@
     <p:sldMasterId id="2147483648" r:id="rId1"/>
   </p:sldMasterIdLst>
   <p:notesMasterIdLst>
-    <p:notesMasterId r:id="rId5"/>
+    <p:notesMasterId r:id="rId6"/>
   </p:notesMasterIdLst>
   <p:sldIdLst>
-    <p:sldId id="141168636" r:id="rId2"/>
-    <p:sldId id="141168637" r:id="rId3"/>
-    <p:sldId id="141168638" r:id="rId4"/>
+    <p:sldId id="141168639" r:id="rId2"/>
+    <p:sldId id="141168636" r:id="rId3"/>
+    <p:sldId id="141168637" r:id="rId4"/>
+    <p:sldId id="141168638" r:id="rId5"/>
   </p:sldIdLst>
   <p:sldSz cx="12192000" cy="6858000"/>
   <p:notesSz cx="6858000" cy="9144000"/>
@@ -109,6 +110,11 @@
       </a:defRPr>
     </a:lvl9pPr>
   </p:defaultTextStyle>
+  <p:extLst>
+    <p:ext uri="{EFAFB233-063F-42B5-8137-9DF3F51BA10A}">
+      <p15:sldGuideLst xmlns:p15="http://schemas.microsoft.com/office/powerpoint/2012/main"/>
+    </p:ext>
+  </p:extLst>
 </p:presentation>
 </file>
 
@@ -3966,6 +3972,138 @@
           <p:cNvPr id="2" name="Title 1">
             <a:extLst>
               <a:ext uri="{FF2B5EF4-FFF2-40B4-BE49-F238E27FC236}">
+                <a16:creationId xmlns:a16="http://schemas.microsoft.com/office/drawing/2014/main" id="{2290EC76-326C-4E98-AB77-320AFADBFE75}"/>
+              </a:ext>
+            </a:extLst>
+          </p:cNvPr>
+          <p:cNvSpPr>
+            <a:spLocks noGrp="1"/>
+          </p:cNvSpPr>
+          <p:nvPr>
+            <p:ph type="title"/>
+          </p:nvPr>
+        </p:nvSpPr>
+        <p:spPr/>
+        <p:txBody>
+          <a:bodyPr>
+            <a:normAutofit fontScale="90000"/>
+          </a:bodyPr>
+          <a:lstStyle/>
+          <a:p>
+            <a:r>
+              <a:rPr lang="en-CA" dirty="0"/>
+              <a:t>General Reference Architecture</a:t>
+            </a:r>
+          </a:p>
+        </p:txBody>
+      </p:sp>
+      <p:pic>
+        <p:nvPicPr>
+          <p:cNvPr id="2050" name="Picture 7" descr="image002">
+            <a:extLst>
+              <a:ext uri="{FF2B5EF4-FFF2-40B4-BE49-F238E27FC236}">
+                <a16:creationId xmlns:a16="http://schemas.microsoft.com/office/drawing/2014/main" id="{E5B76DEA-EF66-4CC3-958C-64B254095291}"/>
+              </a:ext>
+            </a:extLst>
+          </p:cNvPr>
+          <p:cNvPicPr>
+            <a:picLocks noChangeAspect="1" noChangeArrowheads="1"/>
+          </p:cNvPicPr>
+          <p:nvPr/>
+        </p:nvPicPr>
+        <p:blipFill>
+          <a:blip r:embed="rId2">
+            <a:extLst>
+              <a:ext uri="{28A0092B-C50C-407E-A947-70E740481C1C}">
+                <a14:useLocalDpi xmlns:a14="http://schemas.microsoft.com/office/drawing/2010/main" val="0"/>
+              </a:ext>
+            </a:extLst>
+          </a:blip>
+          <a:srcRect/>
+          <a:stretch>
+            <a:fillRect/>
+          </a:stretch>
+        </p:blipFill>
+        <p:spPr bwMode="auto">
+          <a:xfrm>
+            <a:off x="380998" y="1014464"/>
+            <a:ext cx="11334420" cy="5113315"/>
+          </a:xfrm>
+          <a:prstGeom prst="rect">
+            <a:avLst/>
+          </a:prstGeom>
+          <a:noFill/>
+          <a:ln>
+            <a:noFill/>
+          </a:ln>
+          <a:extLst>
+            <a:ext uri="{909E8E84-426E-40DD-AFC4-6F175D3DCCD1}">
+              <a14:hiddenFill xmlns:a14="http://schemas.microsoft.com/office/drawing/2010/main">
+                <a:solidFill>
+                  <a:srgbClr val="FFFFFF"/>
+                </a:solidFill>
+              </a14:hiddenFill>
+            </a:ext>
+            <a:ext uri="{91240B29-F687-4F45-9708-019B960494DF}">
+              <a14:hiddenLine xmlns:a14="http://schemas.microsoft.com/office/drawing/2010/main" w="9525">
+                <a:solidFill>
+                  <a:srgbClr val="000000"/>
+                </a:solidFill>
+                <a:miter lim="800000"/>
+                <a:headEnd/>
+                <a:tailEnd/>
+              </a14:hiddenLine>
+            </a:ext>
+          </a:extLst>
+        </p:spPr>
+      </p:pic>
+    </p:spTree>
+    <p:extLst>
+      <p:ext uri="{BB962C8B-B14F-4D97-AF65-F5344CB8AC3E}">
+        <p14:creationId xmlns:p14="http://schemas.microsoft.com/office/powerpoint/2010/main" val="2112549727"/>
+      </p:ext>
+    </p:extLst>
+  </p:cSld>
+  <p:clrMapOvr>
+    <a:masterClrMapping/>
+  </p:clrMapOvr>
+  <mc:AlternateContent xmlns:mc="http://schemas.openxmlformats.org/markup-compatibility/2006" xmlns:p14="http://schemas.microsoft.com/office/powerpoint/2010/main">
+    <mc:Choice Requires="p14">
+      <p:transition spd="med" p14:dur="700">
+        <p:fade/>
+      </p:transition>
+    </mc:Choice>
+    <mc:Fallback xmlns="">
+      <p:transition spd="med">
+        <p:fade/>
+      </p:transition>
+    </mc:Fallback>
+  </mc:AlternateContent>
+</p:sld>
+</file>
+
+<file path=ppt/slides/slide2.xml><?xml version="1.0" encoding="utf-8"?>
+<p:sld xmlns:a="http://schemas.openxmlformats.org/drawingml/2006/main" xmlns:r="http://schemas.openxmlformats.org/officeDocument/2006/relationships" xmlns:p="http://schemas.openxmlformats.org/presentationml/2006/main">
+  <p:cSld>
+    <p:spTree>
+      <p:nvGrpSpPr>
+        <p:cNvPr id="1" name=""/>
+        <p:cNvGrpSpPr/>
+        <p:nvPr/>
+      </p:nvGrpSpPr>
+      <p:grpSpPr>
+        <a:xfrm>
+          <a:off x="0" y="0"/>
+          <a:ext cx="0" cy="0"/>
+          <a:chOff x="0" y="0"/>
+          <a:chExt cx="0" cy="0"/>
+        </a:xfrm>
+      </p:grpSpPr>
+      <p:sp>
+        <p:nvSpPr>
+          <p:cNvPr id="2" name="Title 1">
+            <a:extLst>
+              <a:ext uri="{FF2B5EF4-FFF2-40B4-BE49-F238E27FC236}">
                 <a16:creationId xmlns:a16="http://schemas.microsoft.com/office/drawing/2014/main" id="{A4D5ADC5-C94E-423D-ACA7-4CC7337C91AA}"/>
               </a:ext>
             </a:extLst>
@@ -6537,7 +6675,7 @@
 </p:sld>
 </file>
 
-<file path=ppt/slides/slide2.xml><?xml version="1.0" encoding="utf-8"?>
+<file path=ppt/slides/slide3.xml><?xml version="1.0" encoding="utf-8"?>
 <p:sld xmlns:a="http://schemas.openxmlformats.org/drawingml/2006/main" xmlns:r="http://schemas.openxmlformats.org/officeDocument/2006/relationships" xmlns:p="http://schemas.openxmlformats.org/presentationml/2006/main">
   <p:cSld>
     <p:spTree>
@@ -8058,7 +8196,7 @@
 </p:sld>
 </file>
 
-<file path=ppt/slides/slide3.xml><?xml version="1.0" encoding="utf-8"?>
+<file path=ppt/slides/slide4.xml><?xml version="1.0" encoding="utf-8"?>
 <p:sld xmlns:a="http://schemas.openxmlformats.org/drawingml/2006/main" xmlns:r="http://schemas.openxmlformats.org/officeDocument/2006/relationships" xmlns:p="http://schemas.openxmlformats.org/presentationml/2006/main">
   <p:cSld>
     <p:spTree>
